--- a/Eczanem Yanımda.pptx
+++ b/Eczanem Yanımda.pptx
@@ -9,12 +9,14 @@
     <p:sldId id="258" r:id="rId3"/>
     <p:sldId id="264" r:id="rId4"/>
     <p:sldId id="263" r:id="rId5"/>
-    <p:sldId id="257" r:id="rId6"/>
-    <p:sldId id="261" r:id="rId7"/>
-    <p:sldId id="259" r:id="rId8"/>
-    <p:sldId id="262" r:id="rId9"/>
-    <p:sldId id="260" r:id="rId10"/>
-    <p:sldId id="265" r:id="rId11"/>
+    <p:sldId id="266" r:id="rId6"/>
+    <p:sldId id="267" r:id="rId7"/>
+    <p:sldId id="257" r:id="rId8"/>
+    <p:sldId id="261" r:id="rId9"/>
+    <p:sldId id="259" r:id="rId10"/>
+    <p:sldId id="262" r:id="rId11"/>
+    <p:sldId id="260" r:id="rId12"/>
+    <p:sldId id="265" r:id="rId13"/>
   </p:sldIdLst>
   <p:sldSz cx="12192000" cy="6858000"/>
   <p:notesSz cx="6858000" cy="9144000"/>
@@ -3730,6 +3732,234 @@
           <p:cNvPr id="2" name="Başlık 1">
             <a:extLst>
               <a:ext uri="{FF2B5EF4-FFF2-40B4-BE49-F238E27FC236}">
+                <a16:creationId xmlns:a16="http://schemas.microsoft.com/office/drawing/2014/main" id="{06CDF69E-76DA-4A40-BB98-22DD347A7F41}"/>
+              </a:ext>
+            </a:extLst>
+          </p:cNvPr>
+          <p:cNvSpPr>
+            <a:spLocks noGrp="1"/>
+          </p:cNvSpPr>
+          <p:nvPr>
+            <p:ph type="title"/>
+          </p:nvPr>
+        </p:nvSpPr>
+        <p:spPr/>
+        <p:txBody>
+          <a:bodyPr/>
+          <a:lstStyle/>
+          <a:p>
+            <a:r>
+              <a:rPr lang="tr-TR" dirty="0"/>
+              <a:t>Peki uygulamanın içerebileceği sorunlar yok mu?</a:t>
+            </a:r>
+          </a:p>
+        </p:txBody>
+      </p:sp>
+      <p:sp>
+        <p:nvSpPr>
+          <p:cNvPr id="3" name="İçerik Yer Tutucusu 2">
+            <a:extLst>
+              <a:ext uri="{FF2B5EF4-FFF2-40B4-BE49-F238E27FC236}">
+                <a16:creationId xmlns:a16="http://schemas.microsoft.com/office/drawing/2014/main" id="{76685F61-7269-4D11-A6B8-8925424C3021}"/>
+              </a:ext>
+            </a:extLst>
+          </p:cNvPr>
+          <p:cNvSpPr>
+            <a:spLocks noGrp="1"/>
+          </p:cNvSpPr>
+          <p:nvPr>
+            <p:ph idx="1"/>
+          </p:nvPr>
+        </p:nvSpPr>
+        <p:spPr/>
+        <p:txBody>
+          <a:bodyPr/>
+          <a:lstStyle/>
+          <a:p>
+            <a:r>
+              <a:rPr lang="tr-TR" dirty="0"/>
+              <a:t>Uygulamamız insanların ihtiyaçlarını giderebilecek bir uygulamadır Ancak sistemsel olarak kullanıcıya kimlik onaylı verilmesi gereken ilaçlar bulunmaktadır. Bu ilaçlar için doğru kullanıcı ve gerekli imzalar olmadan hastaya verilmemektedir ama uygulamamızda  bu ilaçlar için Eczane ilaçları depodan isteyeceği için sisteme bilgileri gönderip daha sonra ilaç geldiği saatte eczaneye giderek gerekli imzalarını atarak ilaçlarını teslim almaktadır. Bu açıdan bile hastalara zaman konusunda ciddi tasarruflar kazandırmaktadır. </a:t>
+            </a:r>
+          </a:p>
+        </p:txBody>
+      </p:sp>
+    </p:spTree>
+    <p:extLst>
+      <p:ext uri="{BB962C8B-B14F-4D97-AF65-F5344CB8AC3E}">
+        <p14:creationId xmlns:p14="http://schemas.microsoft.com/office/powerpoint/2010/main" val="3481477540"/>
+      </p:ext>
+    </p:extLst>
+  </p:cSld>
+  <p:clrMapOvr>
+    <a:masterClrMapping/>
+  </p:clrMapOvr>
+</p:sld>
+</file>
+
+<file path=ppt/slides/slide11.xml><?xml version="1.0" encoding="utf-8"?>
+<p:sld xmlns:a="http://schemas.openxmlformats.org/drawingml/2006/main" xmlns:r="http://schemas.openxmlformats.org/officeDocument/2006/relationships" xmlns:p="http://schemas.openxmlformats.org/presentationml/2006/main">
+  <p:cSld>
+    <p:spTree>
+      <p:nvGrpSpPr>
+        <p:cNvPr id="1" name=""/>
+        <p:cNvGrpSpPr/>
+        <p:nvPr/>
+      </p:nvGrpSpPr>
+      <p:grpSpPr>
+        <a:xfrm>
+          <a:off x="0" y="0"/>
+          <a:ext cx="0" cy="0"/>
+          <a:chOff x="0" y="0"/>
+          <a:chExt cx="0" cy="0"/>
+        </a:xfrm>
+      </p:grpSpPr>
+      <p:sp>
+        <p:nvSpPr>
+          <p:cNvPr id="2" name="Başlık 1">
+            <a:extLst>
+              <a:ext uri="{FF2B5EF4-FFF2-40B4-BE49-F238E27FC236}">
+                <a16:creationId xmlns:a16="http://schemas.microsoft.com/office/drawing/2014/main" id="{D62926B0-BF6B-4CD5-8C75-5DC79A3A7A67}"/>
+              </a:ext>
+            </a:extLst>
+          </p:cNvPr>
+          <p:cNvSpPr>
+            <a:spLocks noGrp="1"/>
+          </p:cNvSpPr>
+          <p:nvPr>
+            <p:ph type="title"/>
+          </p:nvPr>
+        </p:nvSpPr>
+        <p:spPr/>
+        <p:txBody>
+          <a:bodyPr/>
+          <a:lstStyle/>
+          <a:p>
+            <a:r>
+              <a:rPr lang="tr-TR" dirty="0"/>
+              <a:t>Peki </a:t>
+            </a:r>
+            <a:r>
+              <a:rPr lang="tr-TR" dirty="0" err="1"/>
+              <a:t>vodafone</a:t>
+            </a:r>
+            <a:r>
+              <a:rPr lang="tr-TR" dirty="0"/>
+              <a:t> için neler sağlayabilir</a:t>
+            </a:r>
+          </a:p>
+        </p:txBody>
+      </p:sp>
+      <p:sp>
+        <p:nvSpPr>
+          <p:cNvPr id="3" name="İçerik Yer Tutucusu 2">
+            <a:extLst>
+              <a:ext uri="{FF2B5EF4-FFF2-40B4-BE49-F238E27FC236}">
+                <a16:creationId xmlns:a16="http://schemas.microsoft.com/office/drawing/2014/main" id="{B74DC0F4-4AFB-4DD6-BCB8-68EA24EF5F63}"/>
+              </a:ext>
+            </a:extLst>
+          </p:cNvPr>
+          <p:cNvSpPr>
+            <a:spLocks noGrp="1"/>
+          </p:cNvSpPr>
+          <p:nvPr>
+            <p:ph idx="1"/>
+          </p:nvPr>
+        </p:nvSpPr>
+        <p:spPr/>
+        <p:txBody>
+          <a:bodyPr/>
+          <a:lstStyle/>
+          <a:p>
+            <a:r>
+              <a:rPr lang="tr-TR" dirty="0"/>
+              <a:t>Uygulamayı </a:t>
+            </a:r>
+            <a:r>
+              <a:rPr lang="tr-TR" dirty="0" err="1"/>
+              <a:t>Vodafone</a:t>
+            </a:r>
+            <a:r>
+              <a:rPr lang="tr-TR" dirty="0"/>
+              <a:t> </a:t>
+            </a:r>
+            <a:r>
+              <a:rPr lang="tr-TR" dirty="0" err="1"/>
+              <a:t>Yanımdaya</a:t>
+            </a:r>
+            <a:r>
+              <a:rPr lang="tr-TR" dirty="0"/>
+              <a:t> entegre edersek kullanıcıların </a:t>
+            </a:r>
+            <a:r>
+              <a:rPr lang="tr-TR" dirty="0" err="1"/>
+              <a:t>Vodafone</a:t>
+            </a:r>
+            <a:r>
+              <a:rPr lang="tr-TR" dirty="0"/>
+              <a:t> </a:t>
+            </a:r>
+            <a:r>
+              <a:rPr lang="tr-TR" dirty="0" err="1"/>
+              <a:t>Yanımdadaki</a:t>
+            </a:r>
+            <a:r>
+              <a:rPr lang="tr-TR" dirty="0"/>
+              <a:t> diğer ürünlere erişimini de sağlamış oluruz. Aynı zamanda </a:t>
+            </a:r>
+            <a:r>
+              <a:rPr lang="tr-TR" dirty="0" err="1"/>
+              <a:t>Vodafone</a:t>
+            </a:r>
+            <a:r>
+              <a:rPr lang="tr-TR" dirty="0"/>
+              <a:t> </a:t>
+            </a:r>
+            <a:r>
+              <a:rPr lang="tr-TR" dirty="0" err="1"/>
+              <a:t>Yanımdaya</a:t>
+            </a:r>
+            <a:r>
+              <a:rPr lang="tr-TR" dirty="0"/>
+              <a:t> entegre olan sistem ücreti otomatik olarak faturaya yansıtma özelliğini de içererek kullanıcıların faturaları üzerinden ücretlerini ödemesi sağlanır</a:t>
+            </a:r>
+          </a:p>
+        </p:txBody>
+      </p:sp>
+    </p:spTree>
+    <p:extLst>
+      <p:ext uri="{BB962C8B-B14F-4D97-AF65-F5344CB8AC3E}">
+        <p14:creationId xmlns:p14="http://schemas.microsoft.com/office/powerpoint/2010/main" val="4147161757"/>
+      </p:ext>
+    </p:extLst>
+  </p:cSld>
+  <p:clrMapOvr>
+    <a:masterClrMapping/>
+  </p:clrMapOvr>
+</p:sld>
+</file>
+
+<file path=ppt/slides/slide12.xml><?xml version="1.0" encoding="utf-8"?>
+<p:sld xmlns:a="http://schemas.openxmlformats.org/drawingml/2006/main" xmlns:r="http://schemas.openxmlformats.org/officeDocument/2006/relationships" xmlns:p="http://schemas.openxmlformats.org/presentationml/2006/main">
+  <p:cSld>
+    <p:spTree>
+      <p:nvGrpSpPr>
+        <p:cNvPr id="1" name=""/>
+        <p:cNvGrpSpPr/>
+        <p:nvPr/>
+      </p:nvGrpSpPr>
+      <p:grpSpPr>
+        <a:xfrm>
+          <a:off x="0" y="0"/>
+          <a:ext cx="0" cy="0"/>
+          <a:chOff x="0" y="0"/>
+          <a:chExt cx="0" cy="0"/>
+        </a:xfrm>
+      </p:grpSpPr>
+      <p:sp>
+        <p:nvSpPr>
+          <p:cNvPr id="2" name="Başlık 1">
+            <a:extLst>
+              <a:ext uri="{FF2B5EF4-FFF2-40B4-BE49-F238E27FC236}">
                 <a16:creationId xmlns:a16="http://schemas.microsoft.com/office/drawing/2014/main" id="{A67D4BF0-C79C-4BB4-A133-19A6CAD69A1D}"/>
               </a:ext>
             </a:extLst>
@@ -4076,81 +4306,46 @@
           <a:chExt cx="0" cy="0"/>
         </a:xfrm>
       </p:grpSpPr>
-      <p:sp>
-        <p:nvSpPr>
-          <p:cNvPr id="2" name="Başlık 1">
+      <p:pic>
+        <p:nvPicPr>
+          <p:cNvPr id="4" name="Resim 3">
             <a:extLst>
               <a:ext uri="{FF2B5EF4-FFF2-40B4-BE49-F238E27FC236}">
-                <a16:creationId xmlns:a16="http://schemas.microsoft.com/office/drawing/2014/main" id="{B4EA3456-6B3F-42C9-9D14-2E9794E6985B}"/>
+                <a16:creationId xmlns:a16="http://schemas.microsoft.com/office/drawing/2014/main" id="{FD56D07E-D4F6-4806-88B5-6CBC9D1C89AA}"/>
               </a:ext>
             </a:extLst>
           </p:cNvPr>
-          <p:cNvSpPr>
-            <a:spLocks noGrp="1"/>
-          </p:cNvSpPr>
-          <p:nvPr>
-            <p:ph type="title"/>
-          </p:nvPr>
-        </p:nvSpPr>
-        <p:spPr/>
-        <p:txBody>
-          <a:bodyPr/>
-          <a:lstStyle/>
-          <a:p>
-            <a:r>
-              <a:rPr lang="tr-TR" dirty="0"/>
-              <a:t>Projemizin Amacı</a:t>
-            </a:r>
-          </a:p>
-        </p:txBody>
-      </p:sp>
-      <p:sp>
-        <p:nvSpPr>
-          <p:cNvPr id="3" name="İçerik Yer Tutucusu 2">
+          <p:cNvPicPr>
+            <a:picLocks noChangeAspect="1"/>
+          </p:cNvPicPr>
+          <p:nvPr/>
+        </p:nvPicPr>
+        <p:blipFill>
+          <a:blip r:embed="rId2">
             <a:extLst>
-              <a:ext uri="{FF2B5EF4-FFF2-40B4-BE49-F238E27FC236}">
-                <a16:creationId xmlns:a16="http://schemas.microsoft.com/office/drawing/2014/main" id="{23EA3D34-1839-44A1-8CE6-438E8B68DAA7}"/>
+              <a:ext uri="{28A0092B-C50C-407E-A947-70E740481C1C}">
+                <a14:useLocalDpi xmlns:a14="http://schemas.microsoft.com/office/drawing/2010/main" val="0"/>
               </a:ext>
             </a:extLst>
-          </p:cNvPr>
-          <p:cNvSpPr>
-            <a:spLocks noGrp="1"/>
-          </p:cNvSpPr>
-          <p:nvPr>
-            <p:ph idx="1"/>
-          </p:nvPr>
-        </p:nvSpPr>
-        <p:spPr/>
-        <p:txBody>
-          <a:bodyPr/>
-          <a:lstStyle/>
-          <a:p>
-            <a:r>
-              <a:rPr lang="tr-TR" dirty="0"/>
-              <a:t>Hasta ile Eczane arasındaki diyaloğu minimuma indirmek</a:t>
-            </a:r>
-          </a:p>
-          <a:p>
-            <a:r>
-              <a:rPr lang="tr-TR" dirty="0"/>
-              <a:t>İnsanların zaman kaybını engellemek </a:t>
-            </a:r>
-          </a:p>
-          <a:p>
-            <a:r>
-              <a:rPr lang="tr-TR" dirty="0"/>
-              <a:t>Sistemi dijital hale getirerek isteklere daha kolay cevap vermek</a:t>
-            </a:r>
-          </a:p>
-          <a:p>
-            <a:endParaRPr lang="tr-TR" dirty="0"/>
-          </a:p>
-        </p:txBody>
-      </p:sp>
+          </a:blip>
+          <a:stretch>
+            <a:fillRect/>
+          </a:stretch>
+        </p:blipFill>
+        <p:spPr>
+          <a:xfrm>
+            <a:off x="0" y="0"/>
+            <a:ext cx="12192000" cy="6141964"/>
+          </a:xfrm>
+          <a:prstGeom prst="rect">
+            <a:avLst/>
+          </a:prstGeom>
+        </p:spPr>
+      </p:pic>
     </p:spTree>
     <p:extLst>
       <p:ext uri="{BB962C8B-B14F-4D97-AF65-F5344CB8AC3E}">
-        <p14:creationId xmlns:p14="http://schemas.microsoft.com/office/powerpoint/2010/main" val="1772561211"/>
+        <p14:creationId xmlns:p14="http://schemas.microsoft.com/office/powerpoint/2010/main" val="1500368540"/>
       </p:ext>
     </p:extLst>
   </p:cSld>
@@ -4177,66 +4372,45 @@
           <a:chExt cx="0" cy="0"/>
         </a:xfrm>
       </p:grpSpPr>
-      <p:sp>
-        <p:nvSpPr>
-          <p:cNvPr id="2" name="Başlık 1">
+      <p:pic>
+        <p:nvPicPr>
+          <p:cNvPr id="5" name="İçerik Yer Tutucusu 4" descr="metin içeren bir resim&#10;&#10;Açıklama otomatik olarak oluşturuldu">
             <a:extLst>
               <a:ext uri="{FF2B5EF4-FFF2-40B4-BE49-F238E27FC236}">
-                <a16:creationId xmlns:a16="http://schemas.microsoft.com/office/drawing/2014/main" id="{D4D86137-83B7-48DC-AA2F-2106415AF669}"/>
+                <a16:creationId xmlns:a16="http://schemas.microsoft.com/office/drawing/2014/main" id="{E87FF7BC-370B-448D-8BEC-A8D2884FDF10}"/>
               </a:ext>
             </a:extLst>
           </p:cNvPr>
-          <p:cNvSpPr>
-            <a:spLocks noGrp="1"/>
-          </p:cNvSpPr>
-          <p:nvPr>
-            <p:ph type="title"/>
-          </p:nvPr>
-        </p:nvSpPr>
-        <p:spPr/>
-        <p:txBody>
-          <a:bodyPr/>
-          <a:lstStyle/>
-          <a:p>
-            <a:r>
-              <a:rPr lang="tr-TR" dirty="0"/>
-              <a:t>Kimler Faydalanabilir?</a:t>
-            </a:r>
-          </a:p>
-        </p:txBody>
-      </p:sp>
-      <p:sp>
-        <p:nvSpPr>
-          <p:cNvPr id="3" name="İçerik Yer Tutucusu 2">
+          <p:cNvPicPr>
+            <a:picLocks noGrp="1" noChangeAspect="1"/>
+          </p:cNvPicPr>
+          <p:nvPr>
+            <p:ph idx="1"/>
+          </p:nvPr>
+        </p:nvPicPr>
+        <p:blipFill>
+          <a:blip r:embed="rId2">
             <a:extLst>
-              <a:ext uri="{FF2B5EF4-FFF2-40B4-BE49-F238E27FC236}">
-                <a16:creationId xmlns:a16="http://schemas.microsoft.com/office/drawing/2014/main" id="{B96515D3-04FA-4339-BB47-F358663B439C}"/>
+              <a:ext uri="{28A0092B-C50C-407E-A947-70E740481C1C}">
+                <a14:useLocalDpi xmlns:a14="http://schemas.microsoft.com/office/drawing/2010/main" val="0"/>
               </a:ext>
             </a:extLst>
-          </p:cNvPr>
-          <p:cNvSpPr>
-            <a:spLocks noGrp="1"/>
-          </p:cNvSpPr>
-          <p:nvPr>
-            <p:ph idx="1"/>
-          </p:nvPr>
-        </p:nvSpPr>
-        <p:spPr/>
-        <p:txBody>
-          <a:bodyPr/>
-          <a:lstStyle/>
-          <a:p>
-            <a:r>
-              <a:rPr lang="tr-TR" dirty="0"/>
-              <a:t>Uygulamamızın İnternet bağlantısı olan tüm cihazlardan kullanılabilirliği olduğu için insanların  reçetesini veya istediği ilaç, kozmetik ürün gibi ürünlerin en hızlı ve en kolay şekilde kendisine ulaşmasını sağlamaktadır.</a:t>
-            </a:r>
-          </a:p>
-        </p:txBody>
-      </p:sp>
+          </a:blip>
+          <a:stretch>
+            <a:fillRect/>
+          </a:stretch>
+        </p:blipFill>
+        <p:spPr>
+          <a:xfrm>
+            <a:off x="1002890" y="265471"/>
+            <a:ext cx="10658168" cy="5200292"/>
+          </a:xfrm>
+        </p:spPr>
+      </p:pic>
     </p:spTree>
     <p:extLst>
       <p:ext uri="{BB962C8B-B14F-4D97-AF65-F5344CB8AC3E}">
-        <p14:creationId xmlns:p14="http://schemas.microsoft.com/office/powerpoint/2010/main" val="2678716666"/>
+        <p14:creationId xmlns:p14="http://schemas.microsoft.com/office/powerpoint/2010/main" val="182271011"/>
       </p:ext>
     </p:extLst>
   </p:cSld>
@@ -4268,7 +4442,7 @@
           <p:cNvPr id="2" name="Başlık 1">
             <a:extLst>
               <a:ext uri="{FF2B5EF4-FFF2-40B4-BE49-F238E27FC236}">
-                <a16:creationId xmlns:a16="http://schemas.microsoft.com/office/drawing/2014/main" id="{5658005C-7963-4239-B68B-58E9A3FA63A8}"/>
+                <a16:creationId xmlns:a16="http://schemas.microsoft.com/office/drawing/2014/main" id="{B4EA3456-6B3F-42C9-9D14-2E9794E6985B}"/>
               </a:ext>
             </a:extLst>
           </p:cNvPr>
@@ -4286,7 +4460,7 @@
           <a:p>
             <a:r>
               <a:rPr lang="tr-TR" dirty="0"/>
-              <a:t>Peki ileriye yönelik ne yapabiliriz?</a:t>
+              <a:t>Projemizin Amacı</a:t>
             </a:r>
           </a:p>
         </p:txBody>
@@ -4296,7 +4470,7 @@
           <p:cNvPr id="3" name="İçerik Yer Tutucusu 2">
             <a:extLst>
               <a:ext uri="{FF2B5EF4-FFF2-40B4-BE49-F238E27FC236}">
-                <a16:creationId xmlns:a16="http://schemas.microsoft.com/office/drawing/2014/main" id="{07A9FDBA-8674-4778-8302-64B19DCCF194}"/>
+                <a16:creationId xmlns:a16="http://schemas.microsoft.com/office/drawing/2014/main" id="{23EA3D34-1839-44A1-8CE6-438E8B68DAA7}"/>
               </a:ext>
             </a:extLst>
           </p:cNvPr>
@@ -4314,43 +4488,22 @@
           <a:p>
             <a:r>
               <a:rPr lang="tr-TR" dirty="0"/>
-              <a:t>Uygulamamız </a:t>
-            </a:r>
-            <a:r>
-              <a:rPr lang="tr-TR" dirty="0" err="1"/>
-              <a:t>Vodafone</a:t>
-            </a:r>
+              <a:t>Hasta ile Eczane arasındaki diyaloğu minimuma indirmek</a:t>
+            </a:r>
+          </a:p>
+          <a:p>
             <a:r>
               <a:rPr lang="tr-TR" dirty="0"/>
-              <a:t> Yanımda sistemi gibi sistemlere entegre ederek insanların ilaç almasını kolaylaştırırken aynı zamanda çeşitli ihtiyaçlarına karşılık vermesini sağlayabiliriz.</a:t>
+              <a:t>İnsanların zaman kaybını engellemek </a:t>
             </a:r>
           </a:p>
           <a:p>
             <a:r>
               <a:rPr lang="tr-TR" dirty="0"/>
-              <a:t>Uygulama daha otonom bir hale </a:t>
-            </a:r>
-            <a:r>
-              <a:rPr lang="tr-TR" dirty="0" err="1"/>
-              <a:t>gelebilir.Doktor</a:t>
-            </a:r>
-            <a:r>
-              <a:rPr lang="tr-TR" dirty="0"/>
-              <a:t> ilacı yazdığı anda reçete sisteme düşer ve Eczane tarafından direkt kullanıcının istediği </a:t>
-            </a:r>
-            <a:r>
-              <a:rPr lang="tr-TR" dirty="0" err="1"/>
-              <a:t>lokasyona</a:t>
-            </a:r>
-            <a:r>
-              <a:rPr lang="tr-TR" dirty="0"/>
-              <a:t> bırakılabilir.</a:t>
-            </a:r>
-          </a:p>
-          <a:p>
-            <a:pPr marL="0" indent="0">
-              <a:buNone/>
-            </a:pPr>
+              <a:t>Sistemi dijital hale getirerek isteklere daha kolay cevap vermek</a:t>
+            </a:r>
+          </a:p>
+          <a:p>
             <a:endParaRPr lang="tr-TR" dirty="0"/>
           </a:p>
         </p:txBody>
@@ -4358,7 +4511,7 @@
     </p:spTree>
     <p:extLst>
       <p:ext uri="{BB962C8B-B14F-4D97-AF65-F5344CB8AC3E}">
-        <p14:creationId xmlns:p14="http://schemas.microsoft.com/office/powerpoint/2010/main" val="4038380752"/>
+        <p14:creationId xmlns:p14="http://schemas.microsoft.com/office/powerpoint/2010/main" val="1772561211"/>
       </p:ext>
     </p:extLst>
   </p:cSld>
@@ -4390,7 +4543,7 @@
           <p:cNvPr id="2" name="Başlık 1">
             <a:extLst>
               <a:ext uri="{FF2B5EF4-FFF2-40B4-BE49-F238E27FC236}">
-                <a16:creationId xmlns:a16="http://schemas.microsoft.com/office/drawing/2014/main" id="{06CDF69E-76DA-4A40-BB98-22DD347A7F41}"/>
+                <a16:creationId xmlns:a16="http://schemas.microsoft.com/office/drawing/2014/main" id="{D4D86137-83B7-48DC-AA2F-2106415AF669}"/>
               </a:ext>
             </a:extLst>
           </p:cNvPr>
@@ -4408,7 +4561,7 @@
           <a:p>
             <a:r>
               <a:rPr lang="tr-TR" dirty="0"/>
-              <a:t>Peki uygulamanın içerebileceği sorunlar yok mu?</a:t>
+              <a:t>Kimler Faydalanabilir?</a:t>
             </a:r>
           </a:p>
         </p:txBody>
@@ -4418,7 +4571,7 @@
           <p:cNvPr id="3" name="İçerik Yer Tutucusu 2">
             <a:extLst>
               <a:ext uri="{FF2B5EF4-FFF2-40B4-BE49-F238E27FC236}">
-                <a16:creationId xmlns:a16="http://schemas.microsoft.com/office/drawing/2014/main" id="{76685F61-7269-4D11-A6B8-8925424C3021}"/>
+                <a16:creationId xmlns:a16="http://schemas.microsoft.com/office/drawing/2014/main" id="{B96515D3-04FA-4339-BB47-F358663B439C}"/>
               </a:ext>
             </a:extLst>
           </p:cNvPr>
@@ -4436,7 +4589,7 @@
           <a:p>
             <a:r>
               <a:rPr lang="tr-TR" dirty="0"/>
-              <a:t>Uygulamamız insanların ihtiyaçlarını giderebilecek bir uygulamadır Ancak sistemsel olarak kullanıcıya kimlik onaylı verilmesi gereken ilaçlar bulunmaktadır. Bu ilaçlar için doğru kullanıcı ve gerekli imzalar olmadan hastaya verilmemektedir ama uygulamamızda  bu ilaçlar için Eczane ilaçları depodan isteyeceği için sisteme bilgileri gönderip daha sonra ilaç geldiği saatte eczaneye giderek gerekli imzalarını atarak ilaçlarını teslim almaktadır. Bu açıdan bile hastalara zaman konusunda ciddi tasarruflar kazandırmaktadır. </a:t>
+              <a:t>Uygulamamızın İnternet bağlantısı olan tüm cihazlardan kullanılabilirliği olduğu için insanların  reçetesini veya istediği ilaç, kozmetik ürün gibi ürünlerin en hızlı ve en kolay şekilde kendisine ulaşmasını sağlamaktadır.</a:t>
             </a:r>
           </a:p>
         </p:txBody>
@@ -4444,7 +4597,7 @@
     </p:spTree>
     <p:extLst>
       <p:ext uri="{BB962C8B-B14F-4D97-AF65-F5344CB8AC3E}">
-        <p14:creationId xmlns:p14="http://schemas.microsoft.com/office/powerpoint/2010/main" val="3481477540"/>
+        <p14:creationId xmlns:p14="http://schemas.microsoft.com/office/powerpoint/2010/main" val="2678716666"/>
       </p:ext>
     </p:extLst>
   </p:cSld>
@@ -4476,7 +4629,7 @@
           <p:cNvPr id="2" name="Başlık 1">
             <a:extLst>
               <a:ext uri="{FF2B5EF4-FFF2-40B4-BE49-F238E27FC236}">
-                <a16:creationId xmlns:a16="http://schemas.microsoft.com/office/drawing/2014/main" id="{D62926B0-BF6B-4CD5-8C75-5DC79A3A7A67}"/>
+                <a16:creationId xmlns:a16="http://schemas.microsoft.com/office/drawing/2014/main" id="{5658005C-7963-4239-B68B-58E9A3FA63A8}"/>
               </a:ext>
             </a:extLst>
           </p:cNvPr>
@@ -4494,15 +4647,7 @@
           <a:p>
             <a:r>
               <a:rPr lang="tr-TR" dirty="0"/>
-              <a:t>Peki </a:t>
-            </a:r>
-            <a:r>
-              <a:rPr lang="tr-TR" dirty="0" err="1"/>
-              <a:t>vodafone</a:t>
-            </a:r>
-            <a:r>
-              <a:rPr lang="tr-TR" dirty="0"/>
-              <a:t> için neler sağlayabilir</a:t>
+              <a:t>Peki ileriye yönelik ne yapabiliriz?</a:t>
             </a:r>
           </a:p>
         </p:txBody>
@@ -4512,7 +4657,7 @@
           <p:cNvPr id="3" name="İçerik Yer Tutucusu 2">
             <a:extLst>
               <a:ext uri="{FF2B5EF4-FFF2-40B4-BE49-F238E27FC236}">
-                <a16:creationId xmlns:a16="http://schemas.microsoft.com/office/drawing/2014/main" id="{B74DC0F4-4AFB-4DD6-BCB8-68EA24EF5F63}"/>
+                <a16:creationId xmlns:a16="http://schemas.microsoft.com/office/drawing/2014/main" id="{07A9FDBA-8674-4778-8302-64B19DCCF194}"/>
               </a:ext>
             </a:extLst>
           </p:cNvPr>
@@ -4530,7 +4675,7 @@
           <a:p>
             <a:r>
               <a:rPr lang="tr-TR" dirty="0"/>
-              <a:t>Uygulamayı </a:t>
+              <a:t>Uygulamamız </a:t>
             </a:r>
             <a:r>
               <a:rPr lang="tr-TR" dirty="0" err="1"/>
@@ -4538,55 +4683,43 @@
             </a:r>
             <a:r>
               <a:rPr lang="tr-TR" dirty="0"/>
-              <a:t> </a:t>
+              <a:t> Yanımda sistemi gibi sistemlere entegre ederek insanların ilaç almasını kolaylaştırırken aynı zamanda çeşitli ihtiyaçlarına karşılık vermesini sağlayabiliriz.</a:t>
+            </a:r>
+          </a:p>
+          <a:p>
+            <a:r>
+              <a:rPr lang="tr-TR" dirty="0"/>
+              <a:t>Uygulama daha otonom bir hale </a:t>
             </a:r>
             <a:r>
               <a:rPr lang="tr-TR" dirty="0" err="1"/>
-              <a:t>Yanımdaya</a:t>
+              <a:t>gelebilir.Doktor</a:t>
             </a:r>
             <a:r>
               <a:rPr lang="tr-TR" dirty="0"/>
-              <a:t> entegre edersek kullanıcıların </a:t>
+              <a:t> ilacı yazdığı anda reçete sisteme düşer ve Eczane tarafından direkt kullanıcının istediği </a:t>
             </a:r>
             <a:r>
               <a:rPr lang="tr-TR" dirty="0" err="1"/>
-              <a:t>Vodafone</a:t>
+              <a:t>lokasyona</a:t>
             </a:r>
             <a:r>
               <a:rPr lang="tr-TR" dirty="0"/>
-              <a:t> </a:t>
-            </a:r>
-            <a:r>
-              <a:rPr lang="tr-TR" dirty="0" err="1"/>
-              <a:t>Yanımdadaki</a:t>
-            </a:r>
-            <a:r>
-              <a:rPr lang="tr-TR" dirty="0"/>
-              <a:t> diğer ürünlere erişimini de sağlamış oluruz. Aynı zamanda </a:t>
-            </a:r>
-            <a:r>
-              <a:rPr lang="tr-TR" dirty="0" err="1"/>
-              <a:t>Vodafone</a:t>
-            </a:r>
-            <a:r>
-              <a:rPr lang="tr-TR" dirty="0"/>
-              <a:t> </a:t>
-            </a:r>
-            <a:r>
-              <a:rPr lang="tr-TR" dirty="0" err="1"/>
-              <a:t>Yanımdaya</a:t>
-            </a:r>
-            <a:r>
-              <a:rPr lang="tr-TR" dirty="0"/>
-              <a:t> entegre olan sistem ücreti otomatik olarak faturaya yansıtma özelliğini de içererek kullanıcıların faturaları üzerinden ücretlerini ödemesi sağlanır</a:t>
-            </a:r>
+              <a:t> bırakılabilir.</a:t>
+            </a:r>
+          </a:p>
+          <a:p>
+            <a:pPr marL="0" indent="0">
+              <a:buNone/>
+            </a:pPr>
+            <a:endParaRPr lang="tr-TR" dirty="0"/>
           </a:p>
         </p:txBody>
       </p:sp>
     </p:spTree>
     <p:extLst>
       <p:ext uri="{BB962C8B-B14F-4D97-AF65-F5344CB8AC3E}">
-        <p14:creationId xmlns:p14="http://schemas.microsoft.com/office/powerpoint/2010/main" val="4147161757"/>
+        <p14:creationId xmlns:p14="http://schemas.microsoft.com/office/powerpoint/2010/main" val="4038380752"/>
       </p:ext>
     </p:extLst>
   </p:cSld>
